--- a/My docs/Core Java/Day 8- Control Statements.pptx
+++ b/My docs/Core Java/Day 8- Control Statements.pptx
@@ -5,7 +5,7 @@
     <p:sldMasterId id="2147483659" r:id="rId1"/>
   </p:sldMasterIdLst>
   <p:notesMasterIdLst>
-    <p:notesMasterId r:id="rId14"/>
+    <p:notesMasterId r:id="rId13"/>
   </p:notesMasterIdLst>
   <p:sldIdLst>
     <p:sldId id="256" r:id="rId2"/>
@@ -18,25 +18,24 @@
     <p:sldId id="285" r:id="rId9"/>
     <p:sldId id="286" r:id="rId10"/>
     <p:sldId id="287" r:id="rId11"/>
-    <p:sldId id="288" r:id="rId12"/>
-    <p:sldId id="289" r:id="rId13"/>
+    <p:sldId id="289" r:id="rId12"/>
   </p:sldIdLst>
   <p:sldSz cx="9144000" cy="5143500" type="screen16x9"/>
   <p:notesSz cx="6858000" cy="9144000"/>
   <p:embeddedFontLst>
     <p:embeddedFont>
       <p:font typeface="Montserrat" panose="00000500000000000000" pitchFamily="2" charset="0"/>
-      <p:regular r:id="rId15"/>
-      <p:bold r:id="rId16"/>
-      <p:italic r:id="rId17"/>
-      <p:boldItalic r:id="rId18"/>
+      <p:regular r:id="rId14"/>
+      <p:bold r:id="rId15"/>
+      <p:italic r:id="rId16"/>
+      <p:boldItalic r:id="rId17"/>
     </p:embeddedFont>
     <p:embeddedFont>
       <p:font typeface="Roboto" panose="02000000000000000000" pitchFamily="2" charset="0"/>
-      <p:regular r:id="rId19"/>
-      <p:bold r:id="rId20"/>
-      <p:italic r:id="rId21"/>
-      <p:boldItalic r:id="rId22"/>
+      <p:regular r:id="rId18"/>
+      <p:bold r:id="rId19"/>
+      <p:italic r:id="rId20"/>
+      <p:boldItalic r:id="rId21"/>
     </p:embeddedFont>
   </p:embeddedFontLst>
   <p:defaultTextStyle>
@@ -960,133 +959,6 @@
 </file>
 
 <file path=ppt/notesSlides/notesSlide11.xml><?xml version="1.0" encoding="utf-8"?>
-<p:notes xmlns:a="http://schemas.openxmlformats.org/drawingml/2006/main" xmlns:r="http://schemas.openxmlformats.org/officeDocument/2006/relationships" xmlns:p="http://schemas.openxmlformats.org/presentationml/2006/main" showMasterSp="0" showMasterPhAnim="0">
-  <p:cSld>
-    <p:spTree>
-      <p:nvGrpSpPr>
-        <p:cNvPr id="1" name="Shape 123">
-          <a:extLst>
-            <a:ext uri="{FF2B5EF4-FFF2-40B4-BE49-F238E27FC236}">
-              <a16:creationId xmlns:a16="http://schemas.microsoft.com/office/drawing/2014/main" id="{9D995C24-53FA-A286-2FF1-058C4F6DC63E}"/>
-            </a:ext>
-          </a:extLst>
-        </p:cNvPr>
-        <p:cNvGrpSpPr/>
-        <p:nvPr/>
-      </p:nvGrpSpPr>
-      <p:grpSpPr>
-        <a:xfrm>
-          <a:off x="0" y="0"/>
-          <a:ext cx="0" cy="0"/>
-          <a:chOff x="0" y="0"/>
-          <a:chExt cx="0" cy="0"/>
-        </a:xfrm>
-      </p:grpSpPr>
-      <p:sp>
-        <p:nvSpPr>
-          <p:cNvPr id="124" name="Google Shape;124;g2ecd7211dc6_0_38:notes">
-            <a:extLst>
-              <a:ext uri="{FF2B5EF4-FFF2-40B4-BE49-F238E27FC236}">
-                <a16:creationId xmlns:a16="http://schemas.microsoft.com/office/drawing/2014/main" id="{8B7211BB-4E12-EFCE-2FD5-7A9A1E27B6D7}"/>
-              </a:ext>
-            </a:extLst>
-          </p:cNvPr>
-          <p:cNvSpPr>
-            <a:spLocks noGrp="1" noRot="1" noChangeAspect="1"/>
-          </p:cNvSpPr>
-          <p:nvPr>
-            <p:ph type="sldImg" idx="2"/>
-          </p:nvPr>
-        </p:nvSpPr>
-        <p:spPr>
-          <a:xfrm>
-            <a:off x="381000" y="685800"/>
-            <a:ext cx="6096000" cy="3429000"/>
-          </a:xfrm>
-          <a:custGeom>
-            <a:avLst/>
-            <a:gdLst/>
-            <a:ahLst/>
-            <a:cxnLst/>
-            <a:rect l="l" t="t" r="r" b="b"/>
-            <a:pathLst>
-              <a:path w="120000" h="120000" extrusionOk="0">
-                <a:moveTo>
-                  <a:pt x="0" y="0"/>
-                </a:moveTo>
-                <a:lnTo>
-                  <a:pt x="120000" y="0"/>
-                </a:lnTo>
-                <a:lnTo>
-                  <a:pt x="120000" y="120000"/>
-                </a:lnTo>
-                <a:lnTo>
-                  <a:pt x="0" y="120000"/>
-                </a:lnTo>
-                <a:close/>
-              </a:path>
-            </a:pathLst>
-          </a:custGeom>
-        </p:spPr>
-      </p:sp>
-      <p:sp>
-        <p:nvSpPr>
-          <p:cNvPr id="125" name="Google Shape;125;g2ecd7211dc6_0_38:notes">
-            <a:extLst>
-              <a:ext uri="{FF2B5EF4-FFF2-40B4-BE49-F238E27FC236}">
-                <a16:creationId xmlns:a16="http://schemas.microsoft.com/office/drawing/2014/main" id="{70F18A35-7660-0B7D-00A7-01480CBB45FF}"/>
-              </a:ext>
-            </a:extLst>
-          </p:cNvPr>
-          <p:cNvSpPr txBox="1">
-            <a:spLocks noGrp="1"/>
-          </p:cNvSpPr>
-          <p:nvPr>
-            <p:ph type="body" idx="1"/>
-          </p:nvPr>
-        </p:nvSpPr>
-        <p:spPr>
-          <a:xfrm>
-            <a:off x="685800" y="4343400"/>
-            <a:ext cx="5486400" cy="4114800"/>
-          </a:xfrm>
-          <a:prstGeom prst="rect">
-            <a:avLst/>
-          </a:prstGeom>
-        </p:spPr>
-        <p:txBody>
-          <a:bodyPr spcFirstLastPara="1" wrap="square" lIns="91425" tIns="91425" rIns="91425" bIns="91425" anchor="t" anchorCtr="0">
-            <a:noAutofit/>
-          </a:bodyPr>
-          <a:lstStyle/>
-          <a:p>
-            <a:pPr marL="0" lvl="0" indent="0" algn="l" rtl="0">
-              <a:spcBef>
-                <a:spcPts val="0"/>
-              </a:spcBef>
-              <a:spcAft>
-                <a:spcPts val="0"/>
-              </a:spcAft>
-              <a:buNone/>
-            </a:pPr>
-            <a:endParaRPr/>
-          </a:p>
-        </p:txBody>
-      </p:sp>
-    </p:spTree>
-    <p:extLst>
-      <p:ext uri="{BB962C8B-B14F-4D97-AF65-F5344CB8AC3E}">
-        <p14:creationId xmlns:p14="http://schemas.microsoft.com/office/powerpoint/2010/main" val="469436352"/>
-      </p:ext>
-    </p:extLst>
-  </p:cSld>
-  <p:clrMapOvr>
-    <a:masterClrMapping/>
-  </p:clrMapOvr>
-</p:notes>
-</file>
-
-<file path=ppt/notesSlides/notesSlide12.xml><?xml version="1.0" encoding="utf-8"?>
 <p:notes xmlns:a="http://schemas.openxmlformats.org/drawingml/2006/main" xmlns:r="http://schemas.openxmlformats.org/officeDocument/2006/relationships" xmlns:p="http://schemas.openxmlformats.org/presentationml/2006/main" showMasterSp="0" showMasterPhAnim="0">
   <p:cSld>
     <p:spTree>
@@ -8236,710 +8108,6 @@
         <p:cNvPr id="1" name="Shape 126">
           <a:extLst>
             <a:ext uri="{FF2B5EF4-FFF2-40B4-BE49-F238E27FC236}">
-              <a16:creationId xmlns:a16="http://schemas.microsoft.com/office/drawing/2014/main" id="{F682B6B3-9C64-D73D-1653-662E46A69EAF}"/>
-            </a:ext>
-          </a:extLst>
-        </p:cNvPr>
-        <p:cNvGrpSpPr/>
-        <p:nvPr/>
-      </p:nvGrpSpPr>
-      <p:grpSpPr>
-        <a:xfrm>
-          <a:off x="0" y="0"/>
-          <a:ext cx="0" cy="0"/>
-          <a:chOff x="0" y="0"/>
-          <a:chExt cx="0" cy="0"/>
-        </a:xfrm>
-      </p:grpSpPr>
-      <p:sp>
-        <p:nvSpPr>
-          <p:cNvPr id="127" name="Google Shape;127;p22">
-            <a:extLst>
-              <a:ext uri="{FF2B5EF4-FFF2-40B4-BE49-F238E27FC236}">
-                <a16:creationId xmlns:a16="http://schemas.microsoft.com/office/drawing/2014/main" id="{5D7DFD90-73F9-2763-6574-9079B416534D}"/>
-              </a:ext>
-            </a:extLst>
-          </p:cNvPr>
-          <p:cNvSpPr txBox="1">
-            <a:spLocks noGrp="1"/>
-          </p:cNvSpPr>
-          <p:nvPr>
-            <p:ph type="title"/>
-          </p:nvPr>
-        </p:nvSpPr>
-        <p:spPr>
-          <a:xfrm>
-            <a:off x="98250" y="16350"/>
-            <a:ext cx="8826600" cy="602700"/>
-          </a:xfrm>
-          <a:prstGeom prst="rect">
-            <a:avLst/>
-          </a:prstGeom>
-        </p:spPr>
-        <p:txBody>
-          <a:bodyPr spcFirstLastPara="1" wrap="square" lIns="91425" tIns="91425" rIns="91425" bIns="91425" anchor="ctr" anchorCtr="0">
-            <a:noAutofit/>
-          </a:bodyPr>
-          <a:lstStyle/>
-          <a:p>
-            <a:pPr marL="0" lvl="0" indent="0" rtl="0">
-              <a:spcBef>
-                <a:spcPts val="0"/>
-              </a:spcBef>
-              <a:spcAft>
-                <a:spcPts val="0"/>
-              </a:spcAft>
-              <a:buNone/>
-            </a:pPr>
-            <a:r>
-              <a:rPr lang="en-US" dirty="0"/>
-              <a:t>Switch:</a:t>
-            </a:r>
-            <a:endParaRPr dirty="0"/>
-          </a:p>
-        </p:txBody>
-      </p:sp>
-      <p:sp>
-        <p:nvSpPr>
-          <p:cNvPr id="2" name="TextBox 1">
-            <a:extLst>
-              <a:ext uri="{FF2B5EF4-FFF2-40B4-BE49-F238E27FC236}">
-                <a16:creationId xmlns:a16="http://schemas.microsoft.com/office/drawing/2014/main" id="{28D4BC55-ED8C-132B-9618-859518B2E3ED}"/>
-              </a:ext>
-            </a:extLst>
-          </p:cNvPr>
-          <p:cNvSpPr txBox="1"/>
-          <p:nvPr/>
-        </p:nvSpPr>
-        <p:spPr>
-          <a:xfrm>
-            <a:off x="98250" y="582279"/>
-            <a:ext cx="8826600" cy="7417415"/>
-          </a:xfrm>
-          <a:prstGeom prst="rect">
-            <a:avLst/>
-          </a:prstGeom>
-          <a:noFill/>
-        </p:spPr>
-        <p:txBody>
-          <a:bodyPr wrap="square" rtlCol="0">
-            <a:spAutoFit/>
-          </a:bodyPr>
-          <a:lstStyle/>
-          <a:p>
-            <a:pPr algn="just">
-              <a:lnSpc>
-                <a:spcPct val="150000"/>
-              </a:lnSpc>
-              <a:buFont typeface="Arial" panose="020B0604020202020204" pitchFamily="34" charset="0"/>
-              <a:buChar char="•"/>
-            </a:pPr>
-            <a:r>
-              <a:rPr lang="en-US" b="0" i="0" dirty="0">
-                <a:solidFill>
-                  <a:srgbClr val="333333"/>
-                </a:solidFill>
-                <a:effectLst/>
-                <a:latin typeface="Calibri" panose="020F0502020204030204" pitchFamily="34" charset="0"/>
-                <a:cs typeface="Calibri" panose="020F0502020204030204" pitchFamily="34" charset="0"/>
-              </a:rPr>
-              <a:t>The case variables can be int, short, byte, char, or enumeration. String type is also supported since version 7 of Java</a:t>
-            </a:r>
-          </a:p>
-          <a:p>
-            <a:pPr algn="just">
-              <a:lnSpc>
-                <a:spcPct val="150000"/>
-              </a:lnSpc>
-              <a:buFont typeface="Arial" panose="020B0604020202020204" pitchFamily="34" charset="0"/>
-              <a:buChar char="•"/>
-            </a:pPr>
-            <a:r>
-              <a:rPr lang="en-US" b="0" i="0" dirty="0">
-                <a:solidFill>
-                  <a:srgbClr val="333333"/>
-                </a:solidFill>
-                <a:effectLst/>
-                <a:latin typeface="Calibri" panose="020F0502020204030204" pitchFamily="34" charset="0"/>
-                <a:cs typeface="Calibri" panose="020F0502020204030204" pitchFamily="34" charset="0"/>
-              </a:rPr>
-              <a:t>Cases cannot be duplicate</a:t>
-            </a:r>
-          </a:p>
-          <a:p>
-            <a:pPr algn="just">
-              <a:lnSpc>
-                <a:spcPct val="150000"/>
-              </a:lnSpc>
-              <a:buFont typeface="Arial" panose="020B0604020202020204" pitchFamily="34" charset="0"/>
-              <a:buChar char="•"/>
-            </a:pPr>
-            <a:r>
-              <a:rPr lang="en-US" b="0" i="0" dirty="0">
-                <a:solidFill>
-                  <a:srgbClr val="333333"/>
-                </a:solidFill>
-                <a:effectLst/>
-                <a:latin typeface="Calibri" panose="020F0502020204030204" pitchFamily="34" charset="0"/>
-                <a:cs typeface="Calibri" panose="020F0502020204030204" pitchFamily="34" charset="0"/>
-              </a:rPr>
-              <a:t>Default statement is executed when any of the case doesn't match the value of expression. It is optional.</a:t>
-            </a:r>
-          </a:p>
-          <a:p>
-            <a:pPr algn="just">
-              <a:lnSpc>
-                <a:spcPct val="150000"/>
-              </a:lnSpc>
-              <a:buFont typeface="Arial" panose="020B0604020202020204" pitchFamily="34" charset="0"/>
-              <a:buChar char="•"/>
-            </a:pPr>
-            <a:r>
-              <a:rPr lang="en-US" b="0" i="0" dirty="0">
-                <a:solidFill>
-                  <a:srgbClr val="333333"/>
-                </a:solidFill>
-                <a:effectLst/>
-                <a:latin typeface="Calibri" panose="020F0502020204030204" pitchFamily="34" charset="0"/>
-                <a:cs typeface="Calibri" panose="020F0502020204030204" pitchFamily="34" charset="0"/>
-              </a:rPr>
-              <a:t>Break statement terminates the switch block when the condition is satisfied.</a:t>
-            </a:r>
-            <a:endParaRPr lang="en-US" dirty="0">
-              <a:solidFill>
-                <a:srgbClr val="333333"/>
-              </a:solidFill>
-              <a:latin typeface="Calibri" panose="020F0502020204030204" pitchFamily="34" charset="0"/>
-              <a:cs typeface="Calibri" panose="020F0502020204030204" pitchFamily="34" charset="0"/>
-            </a:endParaRPr>
-          </a:p>
-          <a:p>
-            <a:pPr algn="just">
-              <a:lnSpc>
-                <a:spcPct val="150000"/>
-              </a:lnSpc>
-              <a:buFont typeface="Arial" panose="020B0604020202020204" pitchFamily="34" charset="0"/>
-              <a:buChar char="•"/>
-            </a:pPr>
-            <a:r>
-              <a:rPr lang="en-US" b="0" i="0" dirty="0">
-                <a:solidFill>
-                  <a:srgbClr val="333333"/>
-                </a:solidFill>
-                <a:effectLst/>
-                <a:latin typeface="Calibri" panose="020F0502020204030204" pitchFamily="34" charset="0"/>
-                <a:cs typeface="Calibri" panose="020F0502020204030204" pitchFamily="34" charset="0"/>
-              </a:rPr>
-              <a:t>While using switch statements, we must notice that the case expression will be of the same type as the variable. </a:t>
-            </a:r>
-          </a:p>
-          <a:p>
-            <a:pPr algn="just">
-              <a:lnSpc>
-                <a:spcPct val="150000"/>
-              </a:lnSpc>
-            </a:pPr>
-            <a:r>
-              <a:rPr lang="en-US" b="1" dirty="0">
-                <a:solidFill>
-                  <a:srgbClr val="333333"/>
-                </a:solidFill>
-                <a:latin typeface="Calibri" panose="020F0502020204030204" pitchFamily="34" charset="0"/>
-                <a:cs typeface="Calibri" panose="020F0502020204030204" pitchFamily="34" charset="0"/>
-              </a:rPr>
-              <a:t>Syntax:	</a:t>
-            </a:r>
-            <a:r>
-              <a:rPr lang="en-US" b="0" i="0" dirty="0">
-                <a:solidFill>
-                  <a:schemeClr val="bg2"/>
-                </a:solidFill>
-                <a:effectLst/>
-                <a:latin typeface="Calibri" panose="020F0502020204030204" pitchFamily="34" charset="0"/>
-                <a:cs typeface="Calibri" panose="020F0502020204030204" pitchFamily="34" charset="0"/>
-              </a:rPr>
-              <a:t>switch (expression){  </a:t>
-            </a:r>
-          </a:p>
-          <a:p>
-            <a:pPr algn="l"/>
-            <a:r>
-              <a:rPr lang="en-US" dirty="0">
-                <a:solidFill>
-                  <a:schemeClr val="bg2"/>
-                </a:solidFill>
-                <a:latin typeface="Calibri" panose="020F0502020204030204" pitchFamily="34" charset="0"/>
-                <a:cs typeface="Calibri" panose="020F0502020204030204" pitchFamily="34" charset="0"/>
-              </a:rPr>
-              <a:t>	</a:t>
-            </a:r>
-            <a:r>
-              <a:rPr lang="en-US" b="0" i="0" dirty="0">
-                <a:solidFill>
-                  <a:schemeClr val="bg2"/>
-                </a:solidFill>
-                <a:effectLst/>
-                <a:latin typeface="Calibri" panose="020F0502020204030204" pitchFamily="34" charset="0"/>
-                <a:cs typeface="Calibri" panose="020F0502020204030204" pitchFamily="34" charset="0"/>
-              </a:rPr>
-              <a:t> </a:t>
-            </a:r>
-            <a:r>
-              <a:rPr lang="en-US" b="1" i="0" dirty="0">
-                <a:solidFill>
-                  <a:schemeClr val="bg2"/>
-                </a:solidFill>
-                <a:effectLst/>
-                <a:latin typeface="Calibri" panose="020F0502020204030204" pitchFamily="34" charset="0"/>
-                <a:cs typeface="Calibri" panose="020F0502020204030204" pitchFamily="34" charset="0"/>
-              </a:rPr>
-              <a:t>case</a:t>
-            </a:r>
-            <a:r>
-              <a:rPr lang="en-US" b="0" i="0" dirty="0">
-                <a:solidFill>
-                  <a:schemeClr val="bg2"/>
-                </a:solidFill>
-                <a:effectLst/>
-                <a:latin typeface="Calibri" panose="020F0502020204030204" pitchFamily="34" charset="0"/>
-                <a:cs typeface="Calibri" panose="020F0502020204030204" pitchFamily="34" charset="0"/>
-              </a:rPr>
-              <a:t> value1:  </a:t>
-            </a:r>
-          </a:p>
-          <a:p>
-            <a:pPr algn="l"/>
-            <a:r>
-              <a:rPr lang="en-US" dirty="0">
-                <a:solidFill>
-                  <a:schemeClr val="bg2"/>
-                </a:solidFill>
-                <a:latin typeface="Calibri" panose="020F0502020204030204" pitchFamily="34" charset="0"/>
-                <a:cs typeface="Calibri" panose="020F0502020204030204" pitchFamily="34" charset="0"/>
-              </a:rPr>
-              <a:t>	</a:t>
-            </a:r>
-            <a:r>
-              <a:rPr lang="en-US" b="0" i="0" dirty="0">
-                <a:solidFill>
-                  <a:schemeClr val="bg2"/>
-                </a:solidFill>
-                <a:effectLst/>
-                <a:latin typeface="Calibri" panose="020F0502020204030204" pitchFamily="34" charset="0"/>
-                <a:cs typeface="Calibri" panose="020F0502020204030204" pitchFamily="34" charset="0"/>
-              </a:rPr>
-              <a:t>statement1;  </a:t>
-            </a:r>
-          </a:p>
-          <a:p>
-            <a:pPr algn="l"/>
-            <a:r>
-              <a:rPr lang="en-US" dirty="0">
-                <a:solidFill>
-                  <a:schemeClr val="bg2"/>
-                </a:solidFill>
-                <a:latin typeface="Calibri" panose="020F0502020204030204" pitchFamily="34" charset="0"/>
-                <a:cs typeface="Calibri" panose="020F0502020204030204" pitchFamily="34" charset="0"/>
-              </a:rPr>
-              <a:t>	</a:t>
-            </a:r>
-            <a:r>
-              <a:rPr lang="en-US" b="1" i="0" dirty="0">
-                <a:solidFill>
-                  <a:schemeClr val="bg2"/>
-                </a:solidFill>
-                <a:effectLst/>
-                <a:latin typeface="Calibri" panose="020F0502020204030204" pitchFamily="34" charset="0"/>
-                <a:cs typeface="Calibri" panose="020F0502020204030204" pitchFamily="34" charset="0"/>
-              </a:rPr>
-              <a:t>break</a:t>
-            </a:r>
-            <a:r>
-              <a:rPr lang="en-US" b="0" i="0" dirty="0">
-                <a:solidFill>
-                  <a:schemeClr val="bg2"/>
-                </a:solidFill>
-                <a:effectLst/>
-                <a:latin typeface="Calibri" panose="020F0502020204030204" pitchFamily="34" charset="0"/>
-                <a:cs typeface="Calibri" panose="020F0502020204030204" pitchFamily="34" charset="0"/>
-              </a:rPr>
-              <a:t>;    </a:t>
-            </a:r>
-          </a:p>
-          <a:p>
-            <a:pPr algn="l"/>
-            <a:endParaRPr lang="en-US" b="0" i="0" dirty="0">
-              <a:solidFill>
-                <a:schemeClr val="bg2"/>
-              </a:solidFill>
-              <a:effectLst/>
-              <a:latin typeface="Calibri" panose="020F0502020204030204" pitchFamily="34" charset="0"/>
-              <a:cs typeface="Calibri" panose="020F0502020204030204" pitchFamily="34" charset="0"/>
-            </a:endParaRPr>
-          </a:p>
-          <a:p>
-            <a:pPr algn="l"/>
-            <a:r>
-              <a:rPr lang="en-US" b="0" i="0" dirty="0">
-                <a:solidFill>
-                  <a:schemeClr val="bg2"/>
-                </a:solidFill>
-                <a:effectLst/>
-                <a:latin typeface="Calibri" panose="020F0502020204030204" pitchFamily="34" charset="0"/>
-                <a:cs typeface="Calibri" panose="020F0502020204030204" pitchFamily="34" charset="0"/>
-              </a:rPr>
-              <a:t> 	</a:t>
-            </a:r>
-            <a:r>
-              <a:rPr lang="en-US" b="1" i="0" dirty="0">
-                <a:solidFill>
-                  <a:schemeClr val="bg2"/>
-                </a:solidFill>
-                <a:effectLst/>
-                <a:latin typeface="Calibri" panose="020F0502020204030204" pitchFamily="34" charset="0"/>
-                <a:cs typeface="Calibri" panose="020F0502020204030204" pitchFamily="34" charset="0"/>
-              </a:rPr>
-              <a:t>case</a:t>
-            </a:r>
-            <a:r>
-              <a:rPr lang="en-US" b="0" i="0" dirty="0">
-                <a:solidFill>
-                  <a:schemeClr val="bg2"/>
-                </a:solidFill>
-                <a:effectLst/>
-                <a:latin typeface="Calibri" panose="020F0502020204030204" pitchFamily="34" charset="0"/>
-                <a:cs typeface="Calibri" panose="020F0502020204030204" pitchFamily="34" charset="0"/>
-              </a:rPr>
-              <a:t> </a:t>
-            </a:r>
-            <a:r>
-              <a:rPr lang="en-US" b="0" i="0" dirty="0" err="1">
-                <a:solidFill>
-                  <a:schemeClr val="bg2"/>
-                </a:solidFill>
-                <a:effectLst/>
-                <a:latin typeface="Calibri" panose="020F0502020204030204" pitchFamily="34" charset="0"/>
-                <a:cs typeface="Calibri" panose="020F0502020204030204" pitchFamily="34" charset="0"/>
-              </a:rPr>
-              <a:t>valueN</a:t>
-            </a:r>
-            <a:r>
-              <a:rPr lang="en-US" b="0" i="0" dirty="0">
-                <a:solidFill>
-                  <a:schemeClr val="bg2"/>
-                </a:solidFill>
-                <a:effectLst/>
-                <a:latin typeface="Calibri" panose="020F0502020204030204" pitchFamily="34" charset="0"/>
-                <a:cs typeface="Calibri" panose="020F0502020204030204" pitchFamily="34" charset="0"/>
-              </a:rPr>
-              <a:t>:  </a:t>
-            </a:r>
-          </a:p>
-          <a:p>
-            <a:pPr algn="l"/>
-            <a:r>
-              <a:rPr lang="en-US" b="0" i="0" dirty="0">
-                <a:solidFill>
-                  <a:schemeClr val="bg2"/>
-                </a:solidFill>
-                <a:effectLst/>
-                <a:latin typeface="Calibri" panose="020F0502020204030204" pitchFamily="34" charset="0"/>
-                <a:cs typeface="Calibri" panose="020F0502020204030204" pitchFamily="34" charset="0"/>
-              </a:rPr>
-              <a:t>  	</a:t>
-            </a:r>
-            <a:r>
-              <a:rPr lang="en-US" b="0" i="0" dirty="0" err="1">
-                <a:solidFill>
-                  <a:schemeClr val="bg2"/>
-                </a:solidFill>
-                <a:effectLst/>
-                <a:latin typeface="Calibri" panose="020F0502020204030204" pitchFamily="34" charset="0"/>
-                <a:cs typeface="Calibri" panose="020F0502020204030204" pitchFamily="34" charset="0"/>
-              </a:rPr>
-              <a:t>statementN</a:t>
-            </a:r>
-            <a:r>
-              <a:rPr lang="en-US" b="0" i="0" dirty="0">
-                <a:solidFill>
-                  <a:schemeClr val="bg2"/>
-                </a:solidFill>
-                <a:effectLst/>
-                <a:latin typeface="Calibri" panose="020F0502020204030204" pitchFamily="34" charset="0"/>
-                <a:cs typeface="Calibri" panose="020F0502020204030204" pitchFamily="34" charset="0"/>
-              </a:rPr>
-              <a:t>;  </a:t>
-            </a:r>
-          </a:p>
-          <a:p>
-            <a:pPr algn="l"/>
-            <a:r>
-              <a:rPr lang="en-US" b="0" i="0" dirty="0">
-                <a:solidFill>
-                  <a:schemeClr val="bg2"/>
-                </a:solidFill>
-                <a:effectLst/>
-                <a:latin typeface="Calibri" panose="020F0502020204030204" pitchFamily="34" charset="0"/>
-                <a:cs typeface="Calibri" panose="020F0502020204030204" pitchFamily="34" charset="0"/>
-              </a:rPr>
-              <a:t>    	</a:t>
-            </a:r>
-            <a:r>
-              <a:rPr lang="en-US" b="1" i="0" dirty="0">
-                <a:solidFill>
-                  <a:schemeClr val="bg2"/>
-                </a:solidFill>
-                <a:effectLst/>
-                <a:latin typeface="Calibri" panose="020F0502020204030204" pitchFamily="34" charset="0"/>
-                <a:cs typeface="Calibri" panose="020F0502020204030204" pitchFamily="34" charset="0"/>
-              </a:rPr>
-              <a:t>break</a:t>
-            </a:r>
-            <a:r>
-              <a:rPr lang="en-US" b="0" i="0" dirty="0">
-                <a:solidFill>
-                  <a:schemeClr val="bg2"/>
-                </a:solidFill>
-                <a:effectLst/>
-                <a:latin typeface="Calibri" panose="020F0502020204030204" pitchFamily="34" charset="0"/>
-                <a:cs typeface="Calibri" panose="020F0502020204030204" pitchFamily="34" charset="0"/>
-              </a:rPr>
-              <a:t>;  </a:t>
-            </a:r>
-          </a:p>
-          <a:p>
-            <a:pPr algn="l"/>
-            <a:r>
-              <a:rPr lang="en-US" b="1" i="0" dirty="0">
-                <a:solidFill>
-                  <a:schemeClr val="bg2"/>
-                </a:solidFill>
-                <a:effectLst/>
-                <a:latin typeface="Calibri" panose="020F0502020204030204" pitchFamily="34" charset="0"/>
-                <a:cs typeface="Calibri" panose="020F0502020204030204" pitchFamily="34" charset="0"/>
-              </a:rPr>
-              <a:t>	default</a:t>
-            </a:r>
-            <a:r>
-              <a:rPr lang="en-US" b="0" i="0" dirty="0">
-                <a:solidFill>
-                  <a:schemeClr val="bg2"/>
-                </a:solidFill>
-                <a:effectLst/>
-                <a:latin typeface="Calibri" panose="020F0502020204030204" pitchFamily="34" charset="0"/>
-                <a:cs typeface="Calibri" panose="020F0502020204030204" pitchFamily="34" charset="0"/>
-              </a:rPr>
-              <a:t>:  </a:t>
-            </a:r>
-          </a:p>
-          <a:p>
-            <a:pPr algn="l"/>
-            <a:r>
-              <a:rPr lang="en-US" b="0" i="0" dirty="0">
-                <a:solidFill>
-                  <a:schemeClr val="bg2"/>
-                </a:solidFill>
-                <a:effectLst/>
-                <a:latin typeface="Calibri" panose="020F0502020204030204" pitchFamily="34" charset="0"/>
-                <a:cs typeface="Calibri" panose="020F0502020204030204" pitchFamily="34" charset="0"/>
-              </a:rPr>
-              <a:t>    	</a:t>
-            </a:r>
-            <a:r>
-              <a:rPr lang="en-US" b="1" i="0" dirty="0">
-                <a:solidFill>
-                  <a:schemeClr val="bg2"/>
-                </a:solidFill>
-                <a:effectLst/>
-                <a:latin typeface="Calibri" panose="020F0502020204030204" pitchFamily="34" charset="0"/>
-                <a:cs typeface="Calibri" panose="020F0502020204030204" pitchFamily="34" charset="0"/>
-              </a:rPr>
-              <a:t>default</a:t>
-            </a:r>
-            <a:r>
-              <a:rPr lang="en-US" b="0" i="0" dirty="0">
-                <a:solidFill>
-                  <a:schemeClr val="bg2"/>
-                </a:solidFill>
-                <a:effectLst/>
-                <a:latin typeface="Calibri" panose="020F0502020204030204" pitchFamily="34" charset="0"/>
-                <a:cs typeface="Calibri" panose="020F0502020204030204" pitchFamily="34" charset="0"/>
-              </a:rPr>
-              <a:t> statement;  } </a:t>
-            </a:r>
-          </a:p>
-          <a:p>
-            <a:pPr algn="l"/>
-            <a:endParaRPr lang="en-US" b="0" i="0" dirty="0">
-              <a:solidFill>
-                <a:srgbClr val="333333"/>
-              </a:solidFill>
-              <a:effectLst/>
-              <a:latin typeface="Calibri" panose="020F0502020204030204" pitchFamily="34" charset="0"/>
-              <a:cs typeface="Calibri" panose="020F0502020204030204" pitchFamily="34" charset="0"/>
-            </a:endParaRPr>
-          </a:p>
-          <a:p>
-            <a:pPr algn="just">
-              <a:lnSpc>
-                <a:spcPct val="150000"/>
-              </a:lnSpc>
-            </a:pPr>
-            <a:endParaRPr lang="en-US" sz="1600" b="1" i="0" dirty="0">
-              <a:solidFill>
-                <a:srgbClr val="333333"/>
-              </a:solidFill>
-              <a:effectLst/>
-              <a:latin typeface="Calibri" panose="020F0502020204030204" pitchFamily="34" charset="0"/>
-              <a:cs typeface="Calibri" panose="020F0502020204030204" pitchFamily="34" charset="0"/>
-            </a:endParaRPr>
-          </a:p>
-          <a:p>
-            <a:pPr algn="just">
-              <a:lnSpc>
-                <a:spcPct val="150000"/>
-              </a:lnSpc>
-            </a:pPr>
-            <a:endParaRPr lang="en-US" sz="1600" b="1" i="0" dirty="0">
-              <a:solidFill>
-                <a:srgbClr val="333333"/>
-              </a:solidFill>
-              <a:effectLst/>
-              <a:latin typeface="Calibri" panose="020F0502020204030204" pitchFamily="34" charset="0"/>
-              <a:cs typeface="Calibri" panose="020F0502020204030204" pitchFamily="34" charset="0"/>
-            </a:endParaRPr>
-          </a:p>
-          <a:p>
-            <a:pPr algn="just">
-              <a:lnSpc>
-                <a:spcPct val="150000"/>
-              </a:lnSpc>
-            </a:pPr>
-            <a:r>
-              <a:rPr lang="en-US" dirty="0">
-                <a:solidFill>
-                  <a:srgbClr val="333333"/>
-                </a:solidFill>
-                <a:latin typeface="Calibri" panose="020F0502020204030204" pitchFamily="34" charset="0"/>
-                <a:cs typeface="Calibri" panose="020F0502020204030204" pitchFamily="34" charset="0"/>
-              </a:rPr>
-              <a:t>	</a:t>
-            </a:r>
-          </a:p>
-          <a:p>
-            <a:pPr algn="just">
-              <a:lnSpc>
-                <a:spcPct val="150000"/>
-              </a:lnSpc>
-            </a:pPr>
-            <a:r>
-              <a:rPr lang="en-US" dirty="0">
-                <a:solidFill>
-                  <a:srgbClr val="333333"/>
-                </a:solidFill>
-                <a:latin typeface="Calibri" panose="020F0502020204030204" pitchFamily="34" charset="0"/>
-                <a:cs typeface="Calibri" panose="020F0502020204030204" pitchFamily="34" charset="0"/>
-              </a:rPr>
-              <a:t>		</a:t>
-            </a:r>
-          </a:p>
-          <a:p>
-            <a:pPr algn="just">
-              <a:lnSpc>
-                <a:spcPct val="150000"/>
-              </a:lnSpc>
-            </a:pPr>
-            <a:endParaRPr lang="en-US" dirty="0">
-              <a:solidFill>
-                <a:srgbClr val="333333"/>
-              </a:solidFill>
-              <a:latin typeface="Calibri" panose="020F0502020204030204" pitchFamily="34" charset="0"/>
-              <a:cs typeface="Calibri" panose="020F0502020204030204" pitchFamily="34" charset="0"/>
-            </a:endParaRPr>
-          </a:p>
-          <a:p>
-            <a:pPr algn="just">
-              <a:lnSpc>
-                <a:spcPct val="150000"/>
-              </a:lnSpc>
-            </a:pPr>
-            <a:r>
-              <a:rPr lang="en-US" b="0" i="0" dirty="0">
-                <a:solidFill>
-                  <a:srgbClr val="333333"/>
-                </a:solidFill>
-                <a:effectLst/>
-                <a:latin typeface="Calibri" panose="020F0502020204030204" pitchFamily="34" charset="0"/>
-                <a:cs typeface="Calibri" panose="020F0502020204030204" pitchFamily="34" charset="0"/>
-              </a:rPr>
-              <a:t>		</a:t>
-            </a:r>
-          </a:p>
-          <a:p>
-            <a:pPr lvl="6"/>
-            <a:endParaRPr lang="en-US" sz="2000" b="0" i="0" dirty="0">
-              <a:solidFill>
-                <a:srgbClr val="333333"/>
-              </a:solidFill>
-              <a:effectLst/>
-              <a:latin typeface="Montserrat" panose="00000500000000000000" pitchFamily="2" charset="0"/>
-            </a:endParaRPr>
-          </a:p>
-          <a:p>
-            <a:pPr lvl="6"/>
-            <a:endParaRPr lang="en-US" sz="1600" dirty="0">
-              <a:solidFill>
-                <a:srgbClr val="333333"/>
-              </a:solidFill>
-              <a:latin typeface="Calibri" panose="020F0502020204030204" pitchFamily="34" charset="0"/>
-              <a:cs typeface="Calibri" panose="020F0502020204030204" pitchFamily="34" charset="0"/>
-            </a:endParaRPr>
-          </a:p>
-          <a:p>
-            <a:pPr lvl="6"/>
-            <a:r>
-              <a:rPr lang="en-US" b="1" i="0" dirty="0">
-                <a:solidFill>
-                  <a:srgbClr val="333333"/>
-                </a:solidFill>
-                <a:effectLst/>
-                <a:latin typeface="Calibri" panose="020F0502020204030204" pitchFamily="34" charset="0"/>
-                <a:cs typeface="Calibri" panose="020F0502020204030204" pitchFamily="34" charset="0"/>
-              </a:rPr>
-              <a:t>	</a:t>
-            </a:r>
-          </a:p>
-          <a:p>
-            <a:endParaRPr lang="en-IN" dirty="0"/>
-          </a:p>
-          <a:p>
-            <a:endParaRPr lang="en-IN" dirty="0">
-              <a:sym typeface="Wingdings" panose="05000000000000000000" pitchFamily="2" charset="2"/>
-            </a:endParaRPr>
-          </a:p>
-        </p:txBody>
-      </p:sp>
-    </p:spTree>
-    <p:extLst>
-      <p:ext uri="{BB962C8B-B14F-4D97-AF65-F5344CB8AC3E}">
-        <p14:creationId xmlns:p14="http://schemas.microsoft.com/office/powerpoint/2010/main" val="2217321923"/>
-      </p:ext>
-    </p:extLst>
-  </p:cSld>
-  <p:clrMapOvr>
-    <a:masterClrMapping/>
-  </p:clrMapOvr>
-</p:sld>
-</file>
-
-<file path=ppt/slides/slide12.xml><?xml version="1.0" encoding="utf-8"?>
-<p:sld xmlns:a="http://schemas.openxmlformats.org/drawingml/2006/main" xmlns:r="http://schemas.openxmlformats.org/officeDocument/2006/relationships" xmlns:p="http://schemas.openxmlformats.org/presentationml/2006/main">
-  <p:cSld>
-    <p:spTree>
-      <p:nvGrpSpPr>
-        <p:cNvPr id="1" name="Shape 126">
-          <a:extLst>
-            <a:ext uri="{FF2B5EF4-FFF2-40B4-BE49-F238E27FC236}">
               <a16:creationId xmlns:a16="http://schemas.microsoft.com/office/drawing/2014/main" id="{623F0453-5956-0D44-1414-C38A0A3B9BB3}"/>
             </a:ext>
           </a:extLst>
